--- a/source/ppt/接口自动化流程及设计详解.pptx
+++ b/source/ppt/接口自动化流程及设计详解.pptx
@@ -121,7 +121,7 @@
   </p:defaultTextStyle>
   <p:extLst>
     <p:ext uri="{EFAFB233-063F-42B5-8137-9DF3F51BA10A}">
-      <p15:sldGuideLst xmlns="" xmlns:p15="http://schemas.microsoft.com/office/powerpoint/2012/main">
+      <p15:sldGuideLst xmlns:p15="http://schemas.microsoft.com/office/powerpoint/2012/main" xmlns="">
         <p15:guide id="1" orient="horz" pos="2183" userDrawn="1">
           <p15:clr>
             <a:srgbClr val="A4A3A4"/>
@@ -225,7 +225,7 @@
           <a:p>
             <a:fld id="{DBE0D49B-8AB1-4855-A4A4-08C0E4F52BDE}" type="datetimeFigureOut">
               <a:rPr lang="zh-CN" altLang="en-US" smtClean="0"/>
-              <a:t>2018/1/4</a:t>
+              <a:t>2018/1/5</a:t>
             </a:fld>
             <a:endParaRPr lang="zh-CN" altLang="en-US"/>
           </a:p>
@@ -624,7 +624,7 @@
           <a:p>
             <a:fld id="{137181D0-A797-4AF9-BA7D-F9EDE7CA232C}" type="datetimeFigureOut">
               <a:rPr lang="zh-CN" altLang="en-US" smtClean="0"/>
-              <a:t>2018/1/4</a:t>
+              <a:t>2018/1/5</a:t>
             </a:fld>
             <a:endParaRPr lang="zh-CN" altLang="en-US"/>
           </a:p>
@@ -794,7 +794,7 @@
           <a:p>
             <a:fld id="{137181D0-A797-4AF9-BA7D-F9EDE7CA232C}" type="datetimeFigureOut">
               <a:rPr lang="zh-CN" altLang="en-US" smtClean="0"/>
-              <a:t>2018/1/4</a:t>
+              <a:t>2018/1/5</a:t>
             </a:fld>
             <a:endParaRPr lang="zh-CN" altLang="en-US"/>
           </a:p>
@@ -974,7 +974,7 @@
           <a:p>
             <a:fld id="{137181D0-A797-4AF9-BA7D-F9EDE7CA232C}" type="datetimeFigureOut">
               <a:rPr lang="zh-CN" altLang="en-US" smtClean="0"/>
-              <a:t>2018/1/4</a:t>
+              <a:t>2018/1/5</a:t>
             </a:fld>
             <a:endParaRPr lang="zh-CN" altLang="en-US"/>
           </a:p>
@@ -1144,7 +1144,7 @@
           <a:p>
             <a:fld id="{137181D0-A797-4AF9-BA7D-F9EDE7CA232C}" type="datetimeFigureOut">
               <a:rPr lang="zh-CN" altLang="en-US" smtClean="0"/>
-              <a:t>2018/1/4</a:t>
+              <a:t>2018/1/5</a:t>
             </a:fld>
             <a:endParaRPr lang="zh-CN" altLang="en-US"/>
           </a:p>
@@ -1390,7 +1390,7 @@
           <a:p>
             <a:fld id="{137181D0-A797-4AF9-BA7D-F9EDE7CA232C}" type="datetimeFigureOut">
               <a:rPr lang="zh-CN" altLang="en-US" smtClean="0"/>
-              <a:t>2018/1/4</a:t>
+              <a:t>2018/1/5</a:t>
             </a:fld>
             <a:endParaRPr lang="zh-CN" altLang="en-US"/>
           </a:p>
@@ -1622,7 +1622,7 @@
           <a:p>
             <a:fld id="{137181D0-A797-4AF9-BA7D-F9EDE7CA232C}" type="datetimeFigureOut">
               <a:rPr lang="zh-CN" altLang="en-US" smtClean="0"/>
-              <a:t>2018/1/4</a:t>
+              <a:t>2018/1/5</a:t>
             </a:fld>
             <a:endParaRPr lang="zh-CN" altLang="en-US"/>
           </a:p>
@@ -1989,7 +1989,7 @@
           <a:p>
             <a:fld id="{137181D0-A797-4AF9-BA7D-F9EDE7CA232C}" type="datetimeFigureOut">
               <a:rPr lang="zh-CN" altLang="en-US" smtClean="0"/>
-              <a:t>2018/1/4</a:t>
+              <a:t>2018/1/5</a:t>
             </a:fld>
             <a:endParaRPr lang="zh-CN" altLang="en-US"/>
           </a:p>
@@ -2107,7 +2107,7 @@
           <a:p>
             <a:fld id="{137181D0-A797-4AF9-BA7D-F9EDE7CA232C}" type="datetimeFigureOut">
               <a:rPr lang="zh-CN" altLang="en-US" smtClean="0"/>
-              <a:t>2018/1/4</a:t>
+              <a:t>2018/1/5</a:t>
             </a:fld>
             <a:endParaRPr lang="zh-CN" altLang="en-US"/>
           </a:p>
@@ -2202,7 +2202,7 @@
           <a:p>
             <a:fld id="{137181D0-A797-4AF9-BA7D-F9EDE7CA232C}" type="datetimeFigureOut">
               <a:rPr lang="zh-CN" altLang="en-US" smtClean="0"/>
-              <a:t>2018/1/4</a:t>
+              <a:t>2018/1/5</a:t>
             </a:fld>
             <a:endParaRPr lang="zh-CN" altLang="en-US"/>
           </a:p>
@@ -2486,7 +2486,7 @@
           <a:p>
             <a:fld id="{137181D0-A797-4AF9-BA7D-F9EDE7CA232C}" type="datetimeFigureOut">
               <a:rPr lang="zh-CN" altLang="en-US" smtClean="0"/>
-              <a:t>2018/1/4</a:t>
+              <a:t>2018/1/5</a:t>
             </a:fld>
             <a:endParaRPr lang="zh-CN" altLang="en-US"/>
           </a:p>
@@ -2739,7 +2739,7 @@
           <a:p>
             <a:fld id="{137181D0-A797-4AF9-BA7D-F9EDE7CA232C}" type="datetimeFigureOut">
               <a:rPr lang="zh-CN" altLang="en-US" smtClean="0"/>
-              <a:t>2018/1/4</a:t>
+              <a:t>2018/1/5</a:t>
             </a:fld>
             <a:endParaRPr lang="zh-CN" altLang="en-US"/>
           </a:p>
@@ -2952,7 +2952,7 @@
           <a:p>
             <a:fld id="{137181D0-A797-4AF9-BA7D-F9EDE7CA232C}" type="datetimeFigureOut">
               <a:rPr lang="zh-CN" altLang="en-US" smtClean="0"/>
-              <a:t>2018/1/4</a:t>
+              <a:t>2018/1/5</a:t>
             </a:fld>
             <a:endParaRPr lang="zh-CN" altLang="en-US"/>
           </a:p>
@@ -9032,72 +9032,8 @@
         </p:blipFill>
         <p:spPr bwMode="auto">
           <a:xfrm>
-            <a:off x="7201554" y="3094571"/>
+            <a:off x="7201554" y="1618275"/>
             <a:ext cx="4990446" cy="3763429"/>
-          </a:xfrm>
-          <a:prstGeom prst="rect">
-            <a:avLst/>
-          </a:prstGeom>
-          <a:noFill/>
-          <a:ln>
-            <a:noFill/>
-          </a:ln>
-          <a:effectLst/>
-          <a:extLst>
-            <a:ext uri="{909E8E84-426E-40DD-AFC4-6F175D3DCCD1}">
-              <a14:hiddenFill xmlns:a14="http://schemas.microsoft.com/office/drawing/2010/main">
-                <a:solidFill>
-                  <a:schemeClr val="accent1"/>
-                </a:solidFill>
-              </a14:hiddenFill>
-            </a:ext>
-            <a:ext uri="{91240B29-F687-4F45-9708-019B960494DF}">
-              <a14:hiddenLine xmlns:a14="http://schemas.microsoft.com/office/drawing/2010/main" w="9525">
-                <a:solidFill>
-                  <a:schemeClr val="tx1"/>
-                </a:solidFill>
-                <a:miter lim="800000"/>
-                <a:headEnd/>
-                <a:tailEnd/>
-              </a14:hiddenLine>
-            </a:ext>
-            <a:ext uri="{AF507438-7753-43E0-B8FC-AC1667EBCBE1}">
-              <a14:hiddenEffects xmlns:a14="http://schemas.microsoft.com/office/drawing/2010/main">
-                <a:effectLst>
-                  <a:outerShdw dist="35921" dir="2700000" algn="ctr" rotWithShape="0">
-                    <a:schemeClr val="bg2"/>
-                  </a:outerShdw>
-                </a:effectLst>
-              </a14:hiddenEffects>
-            </a:ext>
-          </a:extLst>
-        </p:spPr>
-      </p:pic>
-      <p:pic>
-        <p:nvPicPr>
-          <p:cNvPr id="1027" name="Picture 3"/>
-          <p:cNvPicPr>
-            <a:picLocks noChangeAspect="1" noChangeArrowheads="1"/>
-          </p:cNvPicPr>
-          <p:nvPr/>
-        </p:nvPicPr>
-        <p:blipFill>
-          <a:blip r:embed="rId3">
-            <a:extLst>
-              <a:ext uri="{28A0092B-C50C-407E-A947-70E740481C1C}">
-                <a14:useLocalDpi xmlns:a14="http://schemas.microsoft.com/office/drawing/2010/main" val="0"/>
-              </a:ext>
-            </a:extLst>
-          </a:blip>
-          <a:srcRect/>
-          <a:stretch>
-            <a:fillRect/>
-          </a:stretch>
-        </p:blipFill>
-        <p:spPr bwMode="auto">
-          <a:xfrm>
-            <a:off x="7201554" y="156712"/>
-            <a:ext cx="4990446" cy="2590800"/>
           </a:xfrm>
           <a:prstGeom prst="rect">
             <a:avLst/>
@@ -16112,7 +16048,7 @@
   <a:extraClrSchemeLst/>
   <a:extLst>
     <a:ext uri="{05A4C25C-085E-4340-85A3-A5531E510DB2}">
-      <thm15:themeFamily xmlns="" xmlns:thm15="http://schemas.microsoft.com/office/thememl/2012/main" name="Office Theme" id="{62F939B6-93AF-4DB8-9C6B-D6C7DFDC589F}" vid="{4A3C46E8-61CC-4603-A589-7422A47A8E4A}"/>
+      <thm15:themeFamily xmlns:thm15="http://schemas.microsoft.com/office/thememl/2012/main" xmlns="" name="Office Theme" id="{62F939B6-93AF-4DB8-9C6B-D6C7DFDC589F}" vid="{4A3C46E8-61CC-4603-A589-7422A47A8E4A}"/>
     </a:ext>
   </a:extLst>
 </a:theme>
@@ -16373,7 +16309,7 @@
   <a:extraClrSchemeLst/>
   <a:extLst>
     <a:ext uri="{05A4C25C-085E-4340-85A3-A5531E510DB2}">
-      <thm15:themeFamily xmlns="" xmlns:thm15="http://schemas.microsoft.com/office/thememl/2012/main" name="Office Theme" id="{62F939B6-93AF-4DB8-9C6B-D6C7DFDC589F}" vid="{4A3C46E8-61CC-4603-A589-7422A47A8E4A}"/>
+      <thm15:themeFamily xmlns:thm15="http://schemas.microsoft.com/office/thememl/2012/main" xmlns="" name="Office Theme" id="{62F939B6-93AF-4DB8-9C6B-D6C7DFDC589F}" vid="{4A3C46E8-61CC-4603-A589-7422A47A8E4A}"/>
     </a:ext>
   </a:extLst>
 </a:theme>
